--- a/dataStructures/graphs/figs.pptx
+++ b/dataStructures/graphs/figs.pptx
@@ -16169,7 +16169,7 @@
           <p:nvPr>
             <p:extLst>
               <p:ext uri="{D42A27DB-BD31-4B8C-83A1-F6EECF244321}">
-                <p14:modId xmlns:p14="http://schemas.microsoft.com/office/powerpoint/2010/main" val="2055948848"/>
+                <p14:modId xmlns:p14="http://schemas.microsoft.com/office/powerpoint/2010/main" val="14534115"/>
               </p:ext>
             </p:extLst>
           </p:nvPr>
@@ -18837,7 +18837,7 @@
           <p:nvPr>
             <p:extLst>
               <p:ext uri="{D42A27DB-BD31-4B8C-83A1-F6EECF244321}">
-                <p14:modId xmlns:p14="http://schemas.microsoft.com/office/powerpoint/2010/main" val="3010638652"/>
+                <p14:modId xmlns:p14="http://schemas.microsoft.com/office/powerpoint/2010/main" val="1247555895"/>
               </p:ext>
             </p:extLst>
           </p:nvPr>
@@ -20258,7 +20258,7 @@
           <p:nvPr>
             <p:extLst>
               <p:ext uri="{D42A27DB-BD31-4B8C-83A1-F6EECF244321}">
-                <p14:modId xmlns:p14="http://schemas.microsoft.com/office/powerpoint/2010/main" val="1425161636"/>
+                <p14:modId xmlns:p14="http://schemas.microsoft.com/office/powerpoint/2010/main" val="2663738315"/>
               </p:ext>
             </p:extLst>
           </p:nvPr>
